--- a/Week_01/01_Presentations/Introduction.pptx
+++ b/Week_01/01_Presentations/Introduction.pptx
@@ -5500,8 +5500,8 @@
         </p:nvSpPr>
         <p:spPr>
           <a:xfrm>
-            <a:off x="1567587" y="2274838"/>
-            <a:ext cx="3882599" cy="2308324"/>
+            <a:off x="555208" y="1897986"/>
+            <a:ext cx="5239160" cy="2800767"/>
           </a:xfrm>
           <a:prstGeom prst="rect">
             <a:avLst/>
@@ -5516,12 +5516,12 @@
           <a:p>
             <a:pPr algn="ctr"/>
             <a:r>
-              <a:rPr lang="en-US" sz="3600" dirty="0">
+              <a:rPr lang="en-US" sz="4400" dirty="0">
                 <a:latin typeface="+mj-lt"/>
               </a:rPr>
               <a:t>UNDERSTANDING VARIABLES OR ATTRIBUTES OR FEATURES</a:t>
             </a:r>
-            <a:endParaRPr lang="en-IN" sz="3600" dirty="0">
+            <a:endParaRPr lang="en-IN" sz="4400" dirty="0">
               <a:latin typeface="+mj-lt"/>
             </a:endParaRPr>
           </a:p>
@@ -5608,12 +5608,7 @@
             <a:avLst/>
           </a:prstGeom>
           <a:ln>
-            <a:solidFill>
-              <a:schemeClr val="tx1">
-                <a:lumMod val="95000"/>
-                <a:lumOff val="5000"/>
-              </a:schemeClr>
-            </a:solidFill>
+            <a:noFill/>
           </a:ln>
           <a:effectLst>
             <a:softEdge rad="112500"/>
@@ -5629,6 +5624,43 @@
           </a:extLst>
         </p:spPr>
       </p:pic>
+      <p:cxnSp>
+        <p:nvCxnSpPr>
+          <p:cNvPr id="5" name="Straight Connector 4">
+            <a:extLst>
+              <a:ext uri="{FF2B5EF4-FFF2-40B4-BE49-F238E27FC236}">
+                <a16:creationId xmlns:a16="http://schemas.microsoft.com/office/drawing/2014/main" id="{248B841C-46CE-32C4-6EE2-F8316B8C1219}"/>
+              </a:ext>
+            </a:extLst>
+          </p:cNvPr>
+          <p:cNvCxnSpPr/>
+          <p:nvPr/>
+        </p:nvCxnSpPr>
+        <p:spPr>
+          <a:xfrm>
+            <a:off x="5658715" y="1235948"/>
+            <a:ext cx="0" cy="4531806"/>
+          </a:xfrm>
+          <a:prstGeom prst="line">
+            <a:avLst/>
+          </a:prstGeom>
+          <a:ln w="25400"/>
+        </p:spPr>
+        <p:style>
+          <a:lnRef idx="1">
+            <a:schemeClr val="dk1"/>
+          </a:lnRef>
+          <a:fillRef idx="0">
+            <a:schemeClr val="dk1"/>
+          </a:fillRef>
+          <a:effectRef idx="0">
+            <a:schemeClr val="dk1"/>
+          </a:effectRef>
+          <a:fontRef idx="minor">
+            <a:schemeClr val="tx1"/>
+          </a:fontRef>
+        </p:style>
+      </p:cxnSp>
     </p:spTree>
     <p:extLst>
       <p:ext uri="{BB962C8B-B14F-4D97-AF65-F5344CB8AC3E}">
@@ -5645,6 +5677,14 @@
 <file path=ppt/slides/slide16.xml><?xml version="1.0" encoding="utf-8"?>
 <p:sld xmlns:a="http://schemas.openxmlformats.org/drawingml/2006/main" xmlns:r="http://schemas.openxmlformats.org/officeDocument/2006/relationships" xmlns:p="http://schemas.openxmlformats.org/presentationml/2006/main">
   <p:cSld>
+    <p:bg>
+      <p:bgPr>
+        <a:solidFill>
+          <a:schemeClr val="bg1"/>
+        </a:solidFill>
+        <a:effectLst/>
+      </p:bgPr>
+    </p:bg>
     <p:spTree>
       <p:nvGrpSpPr>
         <p:cNvPr id="1" name=""/>
@@ -5678,18 +5718,13 @@
         <p:blipFill>
           <a:blip r:embed="rId2"/>
           <a:srcRect t="1706" b="1706"/>
-          <a:stretch>
-            <a:fillRect/>
-          </a:stretch>
+          <a:stretch/>
         </p:blipFill>
         <p:spPr>
           <a:xfrm>
-            <a:off x="1141786" y="782786"/>
-            <a:ext cx="10189779" cy="5292428"/>
-          </a:xfrm>
-          <a:prstGeom prst="rect">
-            <a:avLst/>
-          </a:prstGeom>
+            <a:off x="2477442" y="817791"/>
+            <a:ext cx="7237116" cy="5222417"/>
+          </a:xfrm>
         </p:spPr>
       </p:pic>
     </p:spTree>

--- a/Week_01/01_Presentations/Introduction.pptx
+++ b/Week_01/01_Presentations/Introduction.pptx
@@ -20,8 +20,7 @@
     <p:sldId id="265" r:id="rId14"/>
     <p:sldId id="266" r:id="rId15"/>
     <p:sldId id="271" r:id="rId16"/>
-    <p:sldId id="272" r:id="rId17"/>
-    <p:sldId id="270" r:id="rId18"/>
+    <p:sldId id="270" r:id="rId17"/>
   </p:sldIdLst>
   <p:sldSz cx="12192000" cy="6858000"/>
   <p:notesSz cx="6858000" cy="9144000"/>
@@ -5699,72 +5698,6 @@
           <a:chExt cx="0" cy="0"/>
         </a:xfrm>
       </p:grpSpPr>
-      <p:pic>
-        <p:nvPicPr>
-          <p:cNvPr id="14" name="Picture Placeholder 13">
-            <a:extLst>
-              <a:ext uri="{FF2B5EF4-FFF2-40B4-BE49-F238E27FC236}">
-                <a16:creationId xmlns:a16="http://schemas.microsoft.com/office/drawing/2014/main" id="{80DA5AE3-99A3-4A84-E955-1CDD4674697C}"/>
-              </a:ext>
-            </a:extLst>
-          </p:cNvPr>
-          <p:cNvPicPr>
-            <a:picLocks noGrp="1" noChangeAspect="1"/>
-          </p:cNvPicPr>
-          <p:nvPr>
-            <p:ph type="pic" idx="1"/>
-          </p:nvPr>
-        </p:nvPicPr>
-        <p:blipFill>
-          <a:blip r:embed="rId2"/>
-          <a:srcRect t="1706" b="1706"/>
-          <a:stretch/>
-        </p:blipFill>
-        <p:spPr>
-          <a:xfrm>
-            <a:off x="2477442" y="817791"/>
-            <a:ext cx="7237116" cy="5222417"/>
-          </a:xfrm>
-        </p:spPr>
-      </p:pic>
-    </p:spTree>
-    <p:extLst>
-      <p:ext uri="{BB962C8B-B14F-4D97-AF65-F5344CB8AC3E}">
-        <p14:creationId xmlns:p14="http://schemas.microsoft.com/office/powerpoint/2010/main" val="188999938"/>
-      </p:ext>
-    </p:extLst>
-  </p:cSld>
-  <p:clrMapOvr>
-    <a:masterClrMapping/>
-  </p:clrMapOvr>
-</p:sld>
-</file>
-
-<file path=ppt/slides/slide17.xml><?xml version="1.0" encoding="utf-8"?>
-<p:sld xmlns:a="http://schemas.openxmlformats.org/drawingml/2006/main" xmlns:r="http://schemas.openxmlformats.org/officeDocument/2006/relationships" xmlns:p="http://schemas.openxmlformats.org/presentationml/2006/main">
-  <p:cSld>
-    <p:bg>
-      <p:bgPr>
-        <a:solidFill>
-          <a:schemeClr val="bg1"/>
-        </a:solidFill>
-        <a:effectLst/>
-      </p:bgPr>
-    </p:bg>
-    <p:spTree>
-      <p:nvGrpSpPr>
-        <p:cNvPr id="1" name=""/>
-        <p:cNvGrpSpPr/>
-        <p:nvPr/>
-      </p:nvGrpSpPr>
-      <p:grpSpPr>
-        <a:xfrm>
-          <a:off x="0" y="0"/>
-          <a:ext cx="0" cy="0"/>
-          <a:chOff x="0" y="0"/>
-          <a:chExt cx="0" cy="0"/>
-        </a:xfrm>
-      </p:grpSpPr>
       <p:cxnSp>
         <p:nvCxnSpPr>
           <p:cNvPr id="15" name="Straight Connector 14">
